--- a/PPT/M12 Hosting App.pptx
+++ b/PPT/M12 Hosting App.pptx
@@ -5,7 +5,7 @@
     <p:sldMasterId id="2147483648" r:id="rId1"/>
   </p:sldMasterIdLst>
   <p:notesMasterIdLst>
-    <p:notesMasterId r:id="rId11"/>
+    <p:notesMasterId r:id="rId12"/>
   </p:notesMasterIdLst>
   <p:sldIdLst>
     <p:sldId id="346" r:id="rId2"/>
@@ -15,8 +15,9 @@
     <p:sldId id="349" r:id="rId6"/>
     <p:sldId id="365" r:id="rId7"/>
     <p:sldId id="364" r:id="rId8"/>
-    <p:sldId id="351" r:id="rId9"/>
-    <p:sldId id="262" r:id="rId10"/>
+    <p:sldId id="366" r:id="rId9"/>
+    <p:sldId id="351" r:id="rId10"/>
+    <p:sldId id="262" r:id="rId11"/>
   </p:sldIdLst>
   <p:sldSz cx="9144000" cy="6858000" type="screen4x3"/>
   <p:notesSz cx="6858000" cy="9144000"/>
@@ -217,7 +218,7 @@
             <a:fld id="{B26E7FAE-22AD-49BB-86F5-047CE39CD866}" type="datetimeFigureOut">
               <a:rPr lang="id-ID" smtClean="0"/>
               <a:pPr/>
-              <a:t>10/06/2019</a:t>
+              <a:t>29/06/2019</a:t>
             </a:fld>
             <a:endParaRPr lang="id-ID"/>
           </a:p>
@@ -4040,6 +4041,66 @@
 </p:sld>
 </file>
 
+<file path=ppt/slides/slide10.xml><?xml version="1.0" encoding="utf-8"?>
+<p:sld xmlns:a="http://schemas.openxmlformats.org/drawingml/2006/main" xmlns:r="http://schemas.openxmlformats.org/officeDocument/2006/relationships" xmlns:p="http://schemas.openxmlformats.org/presentationml/2006/main">
+  <p:cSld>
+    <p:spTree>
+      <p:nvGrpSpPr>
+        <p:cNvPr id="1" name=""/>
+        <p:cNvGrpSpPr/>
+        <p:nvPr/>
+      </p:nvGrpSpPr>
+      <p:grpSpPr>
+        <a:xfrm>
+          <a:off x="0" y="0"/>
+          <a:ext cx="0" cy="0"/>
+          <a:chOff x="0" y="0"/>
+          <a:chExt cx="0" cy="0"/>
+        </a:xfrm>
+      </p:grpSpPr>
+      <p:sp>
+        <p:nvSpPr>
+          <p:cNvPr id="2" name="Text Placeholder 1"/>
+          <p:cNvSpPr>
+            <a:spLocks noGrp="1"/>
+          </p:cNvSpPr>
+          <p:nvPr>
+            <p:ph type="body" sz="quarter" idx="10"/>
+          </p:nvPr>
+        </p:nvSpPr>
+        <p:spPr/>
+        <p:txBody>
+          <a:bodyPr/>
+          <a:lstStyle/>
+          <a:p>
+            <a:r>
+              <a:rPr lang="en-US" dirty="0"/>
+              <a:t>Zendi Iklima ST, </a:t>
+            </a:r>
+            <a:r>
+              <a:rPr lang="en-US" dirty="0" err="1"/>
+              <a:t>SKom</a:t>
+            </a:r>
+            <a:r>
+              <a:rPr lang="en-US" dirty="0"/>
+              <a:t>, MSc</a:t>
+            </a:r>
+          </a:p>
+        </p:txBody>
+      </p:sp>
+    </p:spTree>
+    <p:extLst>
+      <p:ext uri="{BB962C8B-B14F-4D97-AF65-F5344CB8AC3E}">
+        <p14:creationId xmlns:p14="http://schemas.microsoft.com/office/powerpoint/2010/main" val="2729047529"/>
+      </p:ext>
+    </p:extLst>
+  </p:cSld>
+  <p:clrMapOvr>
+    <a:masterClrMapping/>
+  </p:clrMapOvr>
+</p:sld>
+</file>
+
 <file path=ppt/slides/slide2.xml><?xml version="1.0" encoding="utf-8"?>
 <p:sld xmlns:a="http://schemas.openxmlformats.org/drawingml/2006/main" xmlns:r="http://schemas.openxmlformats.org/officeDocument/2006/relationships" xmlns:p="http://schemas.openxmlformats.org/presentationml/2006/main">
   <p:cSld>
@@ -6701,6 +6762,1264 @@
           <a:p>
             <a:r>
               <a:rPr lang="en-US" dirty="0"/>
+              <a:t>Open the app</a:t>
+            </a:r>
+          </a:p>
+        </p:txBody>
+      </p:sp>
+      <p:sp>
+        <p:nvSpPr>
+          <p:cNvPr id="4" name="Rectangle 3">
+            <a:extLst>
+              <a:ext uri="{FF2B5EF4-FFF2-40B4-BE49-F238E27FC236}">
+                <a16:creationId xmlns:a16="http://schemas.microsoft.com/office/drawing/2014/main" id="{916CE252-CB60-4E72-B3A5-E9C309B9B204}"/>
+              </a:ext>
+            </a:extLst>
+          </p:cNvPr>
+          <p:cNvSpPr/>
+          <p:nvPr/>
+        </p:nvSpPr>
+        <p:spPr>
+          <a:xfrm>
+            <a:off x="152400" y="990600"/>
+            <a:ext cx="8839200" cy="5715000"/>
+          </a:xfrm>
+          <a:prstGeom prst="rect">
+            <a:avLst/>
+          </a:prstGeom>
+        </p:spPr>
+        <p:style>
+          <a:lnRef idx="2">
+            <a:schemeClr val="dk1"/>
+          </a:lnRef>
+          <a:fillRef idx="1">
+            <a:schemeClr val="lt1"/>
+          </a:fillRef>
+          <a:effectRef idx="0">
+            <a:schemeClr val="dk1"/>
+          </a:effectRef>
+          <a:fontRef idx="minor">
+            <a:schemeClr val="dk1"/>
+          </a:fontRef>
+        </p:style>
+        <p:txBody>
+          <a:bodyPr rtlCol="0" anchor="ctr"/>
+          <a:lstStyle/>
+          <a:p>
+            <a:pPr algn="ctr"/>
+            <a:endParaRPr lang="en-US"/>
+          </a:p>
+        </p:txBody>
+      </p:sp>
+      <p:pic>
+        <p:nvPicPr>
+          <p:cNvPr id="6" name="Picture 5">
+            <a:extLst>
+              <a:ext uri="{FF2B5EF4-FFF2-40B4-BE49-F238E27FC236}">
+                <a16:creationId xmlns:a16="http://schemas.microsoft.com/office/drawing/2014/main" id="{EC87D570-5124-40E3-9FA6-4202070DC05D}"/>
+              </a:ext>
+            </a:extLst>
+          </p:cNvPr>
+          <p:cNvPicPr>
+            <a:picLocks noChangeAspect="1"/>
+          </p:cNvPicPr>
+          <p:nvPr/>
+        </p:nvPicPr>
+        <p:blipFill>
+          <a:blip r:embed="rId2"/>
+          <a:stretch>
+            <a:fillRect/>
+          </a:stretch>
+        </p:blipFill>
+        <p:spPr>
+          <a:xfrm>
+            <a:off x="476154" y="1273406"/>
+            <a:ext cx="8191692" cy="4311188"/>
+          </a:xfrm>
+          <a:prstGeom prst="rect">
+            <a:avLst/>
+          </a:prstGeom>
+        </p:spPr>
+      </p:pic>
+      <p:sp>
+        <p:nvSpPr>
+          <p:cNvPr id="7" name="Rectangle 6">
+            <a:extLst>
+              <a:ext uri="{FF2B5EF4-FFF2-40B4-BE49-F238E27FC236}">
+                <a16:creationId xmlns:a16="http://schemas.microsoft.com/office/drawing/2014/main" id="{286E1B56-A73C-4F9E-8ADB-252C21466948}"/>
+              </a:ext>
+            </a:extLst>
+          </p:cNvPr>
+          <p:cNvSpPr/>
+          <p:nvPr/>
+        </p:nvSpPr>
+        <p:spPr>
+          <a:xfrm>
+            <a:off x="3216917" y="5867400"/>
+            <a:ext cx="2710165" cy="369332"/>
+          </a:xfrm>
+          <a:prstGeom prst="rect">
+            <a:avLst/>
+          </a:prstGeom>
+        </p:spPr>
+        <p:txBody>
+          <a:bodyPr wrap="none">
+            <a:spAutoFit/>
+          </a:bodyPr>
+          <a:lstStyle/>
+          <a:p>
+            <a:r>
+              <a:rPr lang="en-US" dirty="0">
+                <a:hlinkClick r:id="rId3"/>
+              </a:rPr>
+              <a:t>https://gitforwindows.org/</a:t>
+            </a:r>
+            <a:endParaRPr lang="en-US" dirty="0"/>
+          </a:p>
+        </p:txBody>
+      </p:sp>
+      <p:pic>
+        <p:nvPicPr>
+          <p:cNvPr id="8" name="Picture 7">
+            <a:extLst>
+              <a:ext uri="{FF2B5EF4-FFF2-40B4-BE49-F238E27FC236}">
+                <a16:creationId xmlns:a16="http://schemas.microsoft.com/office/drawing/2014/main" id="{5A49771C-8A46-49F6-B8C3-FFE23E2FF7F2}"/>
+              </a:ext>
+            </a:extLst>
+          </p:cNvPr>
+          <p:cNvPicPr>
+            <a:picLocks noChangeAspect="1"/>
+          </p:cNvPicPr>
+          <p:nvPr/>
+        </p:nvPicPr>
+        <p:blipFill>
+          <a:blip r:embed="rId4"/>
+          <a:stretch>
+            <a:fillRect/>
+          </a:stretch>
+        </p:blipFill>
+        <p:spPr>
+          <a:xfrm>
+            <a:off x="2628899" y="1273406"/>
+            <a:ext cx="3886200" cy="4400550"/>
+          </a:xfrm>
+          <a:prstGeom prst="rect">
+            <a:avLst/>
+          </a:prstGeom>
+        </p:spPr>
+      </p:pic>
+      <p:sp>
+        <p:nvSpPr>
+          <p:cNvPr id="9" name="Rectangle 8">
+            <a:extLst>
+              <a:ext uri="{FF2B5EF4-FFF2-40B4-BE49-F238E27FC236}">
+                <a16:creationId xmlns:a16="http://schemas.microsoft.com/office/drawing/2014/main" id="{190AD772-5859-449B-A3F9-A941915F92F5}"/>
+              </a:ext>
+            </a:extLst>
+          </p:cNvPr>
+          <p:cNvSpPr/>
+          <p:nvPr/>
+        </p:nvSpPr>
+        <p:spPr>
+          <a:xfrm>
+            <a:off x="4876800" y="4739759"/>
+            <a:ext cx="1524000" cy="441841"/>
+          </a:xfrm>
+          <a:prstGeom prst="rect">
+            <a:avLst/>
+          </a:prstGeom>
+          <a:noFill/>
+          <a:ln>
+            <a:solidFill>
+              <a:srgbClr val="FF0000"/>
+            </a:solidFill>
+          </a:ln>
+        </p:spPr>
+        <p:style>
+          <a:lnRef idx="2">
+            <a:schemeClr val="accent1">
+              <a:shade val="50000"/>
+            </a:schemeClr>
+          </a:lnRef>
+          <a:fillRef idx="1">
+            <a:schemeClr val="accent1"/>
+          </a:fillRef>
+          <a:effectRef idx="0">
+            <a:schemeClr val="accent1"/>
+          </a:effectRef>
+          <a:fontRef idx="minor">
+            <a:schemeClr val="lt1"/>
+          </a:fontRef>
+        </p:style>
+        <p:txBody>
+          <a:bodyPr rtlCol="0" anchor="ctr"/>
+          <a:lstStyle/>
+          <a:p>
+            <a:pPr algn="ctr"/>
+            <a:endParaRPr lang="en-US"/>
+          </a:p>
+        </p:txBody>
+      </p:sp>
+      <p:pic>
+        <p:nvPicPr>
+          <p:cNvPr id="11" name="Picture 10">
+            <a:extLst>
+              <a:ext uri="{FF2B5EF4-FFF2-40B4-BE49-F238E27FC236}">
+                <a16:creationId xmlns:a16="http://schemas.microsoft.com/office/drawing/2014/main" id="{33DCF793-1341-4BD4-AB22-74FBC3632EC0}"/>
+              </a:ext>
+            </a:extLst>
+          </p:cNvPr>
+          <p:cNvPicPr>
+            <a:picLocks noChangeAspect="1"/>
+          </p:cNvPicPr>
+          <p:nvPr/>
+        </p:nvPicPr>
+        <p:blipFill>
+          <a:blip r:embed="rId5"/>
+          <a:stretch>
+            <a:fillRect/>
+          </a:stretch>
+        </p:blipFill>
+        <p:spPr>
+          <a:xfrm>
+            <a:off x="2133600" y="990600"/>
+            <a:ext cx="5029200" cy="5643516"/>
+          </a:xfrm>
+          <a:prstGeom prst="rect">
+            <a:avLst/>
+          </a:prstGeom>
+        </p:spPr>
+      </p:pic>
+      <p:sp>
+        <p:nvSpPr>
+          <p:cNvPr id="12" name="Rectangle 11">
+            <a:extLst>
+              <a:ext uri="{FF2B5EF4-FFF2-40B4-BE49-F238E27FC236}">
+                <a16:creationId xmlns:a16="http://schemas.microsoft.com/office/drawing/2014/main" id="{37DC6FF8-F9D7-4C4B-92E9-460943A16313}"/>
+              </a:ext>
+            </a:extLst>
+          </p:cNvPr>
+          <p:cNvSpPr/>
+          <p:nvPr/>
+        </p:nvSpPr>
+        <p:spPr>
+          <a:xfrm>
+            <a:off x="2362200" y="2590800"/>
+            <a:ext cx="4572000" cy="152400"/>
+          </a:xfrm>
+          <a:prstGeom prst="rect">
+            <a:avLst/>
+          </a:prstGeom>
+          <a:noFill/>
+          <a:ln>
+            <a:solidFill>
+              <a:srgbClr val="FF0000"/>
+            </a:solidFill>
+          </a:ln>
+        </p:spPr>
+        <p:style>
+          <a:lnRef idx="2">
+            <a:schemeClr val="accent1">
+              <a:shade val="50000"/>
+            </a:schemeClr>
+          </a:lnRef>
+          <a:fillRef idx="1">
+            <a:schemeClr val="accent1"/>
+          </a:fillRef>
+          <a:effectRef idx="0">
+            <a:schemeClr val="accent1"/>
+          </a:effectRef>
+          <a:fontRef idx="minor">
+            <a:schemeClr val="lt1"/>
+          </a:fontRef>
+        </p:style>
+        <p:txBody>
+          <a:bodyPr rtlCol="0" anchor="ctr"/>
+          <a:lstStyle/>
+          <a:p>
+            <a:pPr algn="ctr"/>
+            <a:endParaRPr lang="en-US"/>
+          </a:p>
+        </p:txBody>
+      </p:sp>
+      <p:sp>
+        <p:nvSpPr>
+          <p:cNvPr id="13" name="Rectangle 12">
+            <a:extLst>
+              <a:ext uri="{FF2B5EF4-FFF2-40B4-BE49-F238E27FC236}">
+                <a16:creationId xmlns:a16="http://schemas.microsoft.com/office/drawing/2014/main" id="{E07EC80E-984E-4BFD-9283-D2D366F1C449}"/>
+              </a:ext>
+            </a:extLst>
+          </p:cNvPr>
+          <p:cNvSpPr/>
+          <p:nvPr/>
+        </p:nvSpPr>
+        <p:spPr>
+          <a:xfrm>
+            <a:off x="5410200" y="3352800"/>
+            <a:ext cx="838200" cy="333916"/>
+          </a:xfrm>
+          <a:prstGeom prst="rect">
+            <a:avLst/>
+          </a:prstGeom>
+          <a:noFill/>
+          <a:ln>
+            <a:solidFill>
+              <a:srgbClr val="FF0000"/>
+            </a:solidFill>
+          </a:ln>
+        </p:spPr>
+        <p:style>
+          <a:lnRef idx="2">
+            <a:schemeClr val="accent1">
+              <a:shade val="50000"/>
+            </a:schemeClr>
+          </a:lnRef>
+          <a:fillRef idx="1">
+            <a:schemeClr val="accent1"/>
+          </a:fillRef>
+          <a:effectRef idx="0">
+            <a:schemeClr val="accent1"/>
+          </a:effectRef>
+          <a:fontRef idx="minor">
+            <a:schemeClr val="lt1"/>
+          </a:fontRef>
+        </p:style>
+        <p:txBody>
+          <a:bodyPr rtlCol="0" anchor="ctr"/>
+          <a:lstStyle/>
+          <a:p>
+            <a:pPr algn="ctr"/>
+            <a:endParaRPr lang="en-US"/>
+          </a:p>
+        </p:txBody>
+      </p:sp>
+      <p:pic>
+        <p:nvPicPr>
+          <p:cNvPr id="14" name="Picture 13">
+            <a:extLst>
+              <a:ext uri="{FF2B5EF4-FFF2-40B4-BE49-F238E27FC236}">
+                <a16:creationId xmlns:a16="http://schemas.microsoft.com/office/drawing/2014/main" id="{FD41F7A9-6EC2-4E3D-BCA4-025F3BE9E3EF}"/>
+              </a:ext>
+            </a:extLst>
+          </p:cNvPr>
+          <p:cNvPicPr>
+            <a:picLocks noChangeAspect="1"/>
+          </p:cNvPicPr>
+          <p:nvPr/>
+        </p:nvPicPr>
+        <p:blipFill>
+          <a:blip r:embed="rId6"/>
+          <a:stretch>
+            <a:fillRect/>
+          </a:stretch>
+        </p:blipFill>
+        <p:spPr>
+          <a:xfrm>
+            <a:off x="1905000" y="1184044"/>
+            <a:ext cx="5638800" cy="5346016"/>
+          </a:xfrm>
+          <a:prstGeom prst="rect">
+            <a:avLst/>
+          </a:prstGeom>
+        </p:spPr>
+      </p:pic>
+      <p:sp>
+        <p:nvSpPr>
+          <p:cNvPr id="15" name="Rectangle 14">
+            <a:extLst>
+              <a:ext uri="{FF2B5EF4-FFF2-40B4-BE49-F238E27FC236}">
+                <a16:creationId xmlns:a16="http://schemas.microsoft.com/office/drawing/2014/main" id="{83B1EB34-EB22-4637-AC25-01B7BEA4DFB2}"/>
+              </a:ext>
+            </a:extLst>
+          </p:cNvPr>
+          <p:cNvSpPr/>
+          <p:nvPr/>
+        </p:nvSpPr>
+        <p:spPr>
+          <a:xfrm>
+            <a:off x="2133600" y="3519758"/>
+            <a:ext cx="2743200" cy="899842"/>
+          </a:xfrm>
+          <a:prstGeom prst="rect">
+            <a:avLst/>
+          </a:prstGeom>
+          <a:noFill/>
+          <a:ln>
+            <a:solidFill>
+              <a:srgbClr val="FF0000"/>
+            </a:solidFill>
+          </a:ln>
+        </p:spPr>
+        <p:style>
+          <a:lnRef idx="2">
+            <a:schemeClr val="accent1">
+              <a:shade val="50000"/>
+            </a:schemeClr>
+          </a:lnRef>
+          <a:fillRef idx="1">
+            <a:schemeClr val="accent1"/>
+          </a:fillRef>
+          <a:effectRef idx="0">
+            <a:schemeClr val="accent1"/>
+          </a:effectRef>
+          <a:fontRef idx="minor">
+            <a:schemeClr val="lt1"/>
+          </a:fontRef>
+        </p:style>
+        <p:txBody>
+          <a:bodyPr rtlCol="0" anchor="ctr"/>
+          <a:lstStyle/>
+          <a:p>
+            <a:pPr algn="ctr"/>
+            <a:endParaRPr lang="en-US"/>
+          </a:p>
+        </p:txBody>
+      </p:sp>
+      <p:sp>
+        <p:nvSpPr>
+          <p:cNvPr id="16" name="Rectangle 15">
+            <a:extLst>
+              <a:ext uri="{FF2B5EF4-FFF2-40B4-BE49-F238E27FC236}">
+                <a16:creationId xmlns:a16="http://schemas.microsoft.com/office/drawing/2014/main" id="{4C747387-B49E-44B4-A806-F22CC4C5B48A}"/>
+              </a:ext>
+            </a:extLst>
+          </p:cNvPr>
+          <p:cNvSpPr/>
+          <p:nvPr/>
+        </p:nvSpPr>
+        <p:spPr>
+          <a:xfrm>
+            <a:off x="6358082" y="1549555"/>
+            <a:ext cx="1185718" cy="507845"/>
+          </a:xfrm>
+          <a:prstGeom prst="rect">
+            <a:avLst/>
+          </a:prstGeom>
+          <a:noFill/>
+          <a:ln>
+            <a:solidFill>
+              <a:srgbClr val="FF0000"/>
+            </a:solidFill>
+          </a:ln>
+        </p:spPr>
+        <p:style>
+          <a:lnRef idx="2">
+            <a:schemeClr val="accent1">
+              <a:shade val="50000"/>
+            </a:schemeClr>
+          </a:lnRef>
+          <a:fillRef idx="1">
+            <a:schemeClr val="accent1"/>
+          </a:fillRef>
+          <a:effectRef idx="0">
+            <a:schemeClr val="accent1"/>
+          </a:effectRef>
+          <a:fontRef idx="minor">
+            <a:schemeClr val="lt1"/>
+          </a:fontRef>
+        </p:style>
+        <p:txBody>
+          <a:bodyPr rtlCol="0" anchor="ctr"/>
+          <a:lstStyle/>
+          <a:p>
+            <a:pPr algn="ctr"/>
+            <a:endParaRPr lang="en-US"/>
+          </a:p>
+        </p:txBody>
+      </p:sp>
+    </p:spTree>
+    <p:extLst>
+      <p:ext uri="{BB962C8B-B14F-4D97-AF65-F5344CB8AC3E}">
+        <p14:creationId xmlns:p14="http://schemas.microsoft.com/office/powerpoint/2010/main" val="1149591148"/>
+      </p:ext>
+    </p:extLst>
+  </p:cSld>
+  <p:clrMapOvr>
+    <a:masterClrMapping/>
+  </p:clrMapOvr>
+  <p:timing>
+    <p:tnLst>
+      <p:par>
+        <p:cTn id="1" dur="indefinite" restart="never" nodeType="tmRoot">
+          <p:childTnLst>
+            <p:seq concurrent="1" nextAc="seek">
+              <p:cTn id="2" dur="indefinite" nodeType="mainSeq">
+                <p:childTnLst>
+                  <p:par>
+                    <p:cTn id="3" fill="hold">
+                      <p:stCondLst>
+                        <p:cond delay="indefinite"/>
+                        <p:cond evt="onBegin" delay="0">
+                          <p:tn val="2"/>
+                        </p:cond>
+                      </p:stCondLst>
+                      <p:childTnLst>
+                        <p:par>
+                          <p:cTn id="4" fill="hold">
+                            <p:stCondLst>
+                              <p:cond delay="0"/>
+                            </p:stCondLst>
+                            <p:childTnLst>
+                              <p:par>
+                                <p:cTn id="5" presetID="10" presetClass="entr" presetSubtype="0" fill="hold" grpId="0" nodeType="afterEffect">
+                                  <p:stCondLst>
+                                    <p:cond delay="0"/>
+                                  </p:stCondLst>
+                                  <p:childTnLst>
+                                    <p:set>
+                                      <p:cBhvr>
+                                        <p:cTn id="6" dur="1" fill="hold">
+                                          <p:stCondLst>
+                                            <p:cond delay="0"/>
+                                          </p:stCondLst>
+                                        </p:cTn>
+                                        <p:tgtEl>
+                                          <p:spTgt spid="7"/>
+                                        </p:tgtEl>
+                                        <p:attrNameLst>
+                                          <p:attrName>style.visibility</p:attrName>
+                                        </p:attrNameLst>
+                                      </p:cBhvr>
+                                      <p:to>
+                                        <p:strVal val="visible"/>
+                                      </p:to>
+                                    </p:set>
+                                    <p:animEffect transition="in" filter="fade">
+                                      <p:cBhvr>
+                                        <p:cTn id="7" dur="500"/>
+                                        <p:tgtEl>
+                                          <p:spTgt spid="7"/>
+                                        </p:tgtEl>
+                                      </p:cBhvr>
+                                    </p:animEffect>
+                                  </p:childTnLst>
+                                </p:cTn>
+                              </p:par>
+                              <p:par>
+                                <p:cTn id="8" presetID="10" presetClass="entr" presetSubtype="0" fill="hold" nodeType="withEffect">
+                                  <p:stCondLst>
+                                    <p:cond delay="0"/>
+                                  </p:stCondLst>
+                                  <p:childTnLst>
+                                    <p:set>
+                                      <p:cBhvr>
+                                        <p:cTn id="9" dur="1" fill="hold">
+                                          <p:stCondLst>
+                                            <p:cond delay="0"/>
+                                          </p:stCondLst>
+                                        </p:cTn>
+                                        <p:tgtEl>
+                                          <p:spTgt spid="6"/>
+                                        </p:tgtEl>
+                                        <p:attrNameLst>
+                                          <p:attrName>style.visibility</p:attrName>
+                                        </p:attrNameLst>
+                                      </p:cBhvr>
+                                      <p:to>
+                                        <p:strVal val="visible"/>
+                                      </p:to>
+                                    </p:set>
+                                    <p:animEffect transition="in" filter="fade">
+                                      <p:cBhvr>
+                                        <p:cTn id="10" dur="500"/>
+                                        <p:tgtEl>
+                                          <p:spTgt spid="6"/>
+                                        </p:tgtEl>
+                                      </p:cBhvr>
+                                    </p:animEffect>
+                                  </p:childTnLst>
+                                </p:cTn>
+                              </p:par>
+                            </p:childTnLst>
+                          </p:cTn>
+                        </p:par>
+                      </p:childTnLst>
+                    </p:cTn>
+                  </p:par>
+                  <p:par>
+                    <p:cTn id="11" fill="hold">
+                      <p:stCondLst>
+                        <p:cond delay="indefinite"/>
+                      </p:stCondLst>
+                      <p:childTnLst>
+                        <p:par>
+                          <p:cTn id="12" fill="hold">
+                            <p:stCondLst>
+                              <p:cond delay="0"/>
+                            </p:stCondLst>
+                            <p:childTnLst>
+                              <p:par>
+                                <p:cTn id="13" presetID="10" presetClass="exit" presetSubtype="0" fill="hold" grpId="1" nodeType="clickEffect">
+                                  <p:stCondLst>
+                                    <p:cond delay="0"/>
+                                  </p:stCondLst>
+                                  <p:childTnLst>
+                                    <p:animEffect transition="out" filter="fade">
+                                      <p:cBhvr>
+                                        <p:cTn id="14" dur="500"/>
+                                        <p:tgtEl>
+                                          <p:spTgt spid="7"/>
+                                        </p:tgtEl>
+                                      </p:cBhvr>
+                                    </p:animEffect>
+                                    <p:set>
+                                      <p:cBhvr>
+                                        <p:cTn id="15" dur="1" fill="hold">
+                                          <p:stCondLst>
+                                            <p:cond delay="499"/>
+                                          </p:stCondLst>
+                                        </p:cTn>
+                                        <p:tgtEl>
+                                          <p:spTgt spid="7"/>
+                                        </p:tgtEl>
+                                        <p:attrNameLst>
+                                          <p:attrName>style.visibility</p:attrName>
+                                        </p:attrNameLst>
+                                      </p:cBhvr>
+                                      <p:to>
+                                        <p:strVal val="hidden"/>
+                                      </p:to>
+                                    </p:set>
+                                  </p:childTnLst>
+                                </p:cTn>
+                              </p:par>
+                              <p:par>
+                                <p:cTn id="16" presetID="10" presetClass="exit" presetSubtype="0" fill="hold" nodeType="withEffect">
+                                  <p:stCondLst>
+                                    <p:cond delay="0"/>
+                                  </p:stCondLst>
+                                  <p:childTnLst>
+                                    <p:animEffect transition="out" filter="fade">
+                                      <p:cBhvr>
+                                        <p:cTn id="17" dur="500"/>
+                                        <p:tgtEl>
+                                          <p:spTgt spid="6"/>
+                                        </p:tgtEl>
+                                      </p:cBhvr>
+                                    </p:animEffect>
+                                    <p:set>
+                                      <p:cBhvr>
+                                        <p:cTn id="18" dur="1" fill="hold">
+                                          <p:stCondLst>
+                                            <p:cond delay="499"/>
+                                          </p:stCondLst>
+                                        </p:cTn>
+                                        <p:tgtEl>
+                                          <p:spTgt spid="6"/>
+                                        </p:tgtEl>
+                                        <p:attrNameLst>
+                                          <p:attrName>style.visibility</p:attrName>
+                                        </p:attrNameLst>
+                                      </p:cBhvr>
+                                      <p:to>
+                                        <p:strVal val="hidden"/>
+                                      </p:to>
+                                    </p:set>
+                                  </p:childTnLst>
+                                </p:cTn>
+                              </p:par>
+                            </p:childTnLst>
+                          </p:cTn>
+                        </p:par>
+                        <p:par>
+                          <p:cTn id="19" fill="hold">
+                            <p:stCondLst>
+                              <p:cond delay="500"/>
+                            </p:stCondLst>
+                            <p:childTnLst>
+                              <p:par>
+                                <p:cTn id="20" presetID="10" presetClass="entr" presetSubtype="0" fill="hold" grpId="0" nodeType="afterEffect">
+                                  <p:stCondLst>
+                                    <p:cond delay="0"/>
+                                  </p:stCondLst>
+                                  <p:childTnLst>
+                                    <p:set>
+                                      <p:cBhvr>
+                                        <p:cTn id="21" dur="1" fill="hold">
+                                          <p:stCondLst>
+                                            <p:cond delay="0"/>
+                                          </p:stCondLst>
+                                        </p:cTn>
+                                        <p:tgtEl>
+                                          <p:spTgt spid="9"/>
+                                        </p:tgtEl>
+                                        <p:attrNameLst>
+                                          <p:attrName>style.visibility</p:attrName>
+                                        </p:attrNameLst>
+                                      </p:cBhvr>
+                                      <p:to>
+                                        <p:strVal val="visible"/>
+                                      </p:to>
+                                    </p:set>
+                                    <p:animEffect transition="in" filter="fade">
+                                      <p:cBhvr>
+                                        <p:cTn id="22" dur="500"/>
+                                        <p:tgtEl>
+                                          <p:spTgt spid="9"/>
+                                        </p:tgtEl>
+                                      </p:cBhvr>
+                                    </p:animEffect>
+                                  </p:childTnLst>
+                                </p:cTn>
+                              </p:par>
+                              <p:par>
+                                <p:cTn id="23" presetID="10" presetClass="entr" presetSubtype="0" fill="hold" nodeType="withEffect">
+                                  <p:stCondLst>
+                                    <p:cond delay="0"/>
+                                  </p:stCondLst>
+                                  <p:childTnLst>
+                                    <p:set>
+                                      <p:cBhvr>
+                                        <p:cTn id="24" dur="1" fill="hold">
+                                          <p:stCondLst>
+                                            <p:cond delay="0"/>
+                                          </p:stCondLst>
+                                        </p:cTn>
+                                        <p:tgtEl>
+                                          <p:spTgt spid="8"/>
+                                        </p:tgtEl>
+                                        <p:attrNameLst>
+                                          <p:attrName>style.visibility</p:attrName>
+                                        </p:attrNameLst>
+                                      </p:cBhvr>
+                                      <p:to>
+                                        <p:strVal val="visible"/>
+                                      </p:to>
+                                    </p:set>
+                                    <p:animEffect transition="in" filter="fade">
+                                      <p:cBhvr>
+                                        <p:cTn id="25" dur="500"/>
+                                        <p:tgtEl>
+                                          <p:spTgt spid="8"/>
+                                        </p:tgtEl>
+                                      </p:cBhvr>
+                                    </p:animEffect>
+                                  </p:childTnLst>
+                                </p:cTn>
+                              </p:par>
+                            </p:childTnLst>
+                          </p:cTn>
+                        </p:par>
+                      </p:childTnLst>
+                    </p:cTn>
+                  </p:par>
+                  <p:par>
+                    <p:cTn id="26" fill="hold">
+                      <p:stCondLst>
+                        <p:cond delay="indefinite"/>
+                      </p:stCondLst>
+                      <p:childTnLst>
+                        <p:par>
+                          <p:cTn id="27" fill="hold">
+                            <p:stCondLst>
+                              <p:cond delay="0"/>
+                            </p:stCondLst>
+                            <p:childTnLst>
+                              <p:par>
+                                <p:cTn id="28" presetID="10" presetClass="exit" presetSubtype="0" fill="hold" grpId="1" nodeType="clickEffect">
+                                  <p:stCondLst>
+                                    <p:cond delay="0"/>
+                                  </p:stCondLst>
+                                  <p:childTnLst>
+                                    <p:animEffect transition="out" filter="fade">
+                                      <p:cBhvr>
+                                        <p:cTn id="29" dur="500"/>
+                                        <p:tgtEl>
+                                          <p:spTgt spid="9"/>
+                                        </p:tgtEl>
+                                      </p:cBhvr>
+                                    </p:animEffect>
+                                    <p:set>
+                                      <p:cBhvr>
+                                        <p:cTn id="30" dur="1" fill="hold">
+                                          <p:stCondLst>
+                                            <p:cond delay="499"/>
+                                          </p:stCondLst>
+                                        </p:cTn>
+                                        <p:tgtEl>
+                                          <p:spTgt spid="9"/>
+                                        </p:tgtEl>
+                                        <p:attrNameLst>
+                                          <p:attrName>style.visibility</p:attrName>
+                                        </p:attrNameLst>
+                                      </p:cBhvr>
+                                      <p:to>
+                                        <p:strVal val="hidden"/>
+                                      </p:to>
+                                    </p:set>
+                                  </p:childTnLst>
+                                </p:cTn>
+                              </p:par>
+                              <p:par>
+                                <p:cTn id="31" presetID="10" presetClass="exit" presetSubtype="0" fill="hold" nodeType="withEffect">
+                                  <p:stCondLst>
+                                    <p:cond delay="0"/>
+                                  </p:stCondLst>
+                                  <p:childTnLst>
+                                    <p:animEffect transition="out" filter="fade">
+                                      <p:cBhvr>
+                                        <p:cTn id="32" dur="500"/>
+                                        <p:tgtEl>
+                                          <p:spTgt spid="8"/>
+                                        </p:tgtEl>
+                                      </p:cBhvr>
+                                    </p:animEffect>
+                                    <p:set>
+                                      <p:cBhvr>
+                                        <p:cTn id="33" dur="1" fill="hold">
+                                          <p:stCondLst>
+                                            <p:cond delay="499"/>
+                                          </p:stCondLst>
+                                        </p:cTn>
+                                        <p:tgtEl>
+                                          <p:spTgt spid="8"/>
+                                        </p:tgtEl>
+                                        <p:attrNameLst>
+                                          <p:attrName>style.visibility</p:attrName>
+                                        </p:attrNameLst>
+                                      </p:cBhvr>
+                                      <p:to>
+                                        <p:strVal val="hidden"/>
+                                      </p:to>
+                                    </p:set>
+                                  </p:childTnLst>
+                                </p:cTn>
+                              </p:par>
+                            </p:childTnLst>
+                          </p:cTn>
+                        </p:par>
+                        <p:par>
+                          <p:cTn id="34" fill="hold">
+                            <p:stCondLst>
+                              <p:cond delay="500"/>
+                            </p:stCondLst>
+                            <p:childTnLst>
+                              <p:par>
+                                <p:cTn id="35" presetID="10" presetClass="entr" presetSubtype="0" fill="hold" grpId="0" nodeType="afterEffect">
+                                  <p:stCondLst>
+                                    <p:cond delay="0"/>
+                                  </p:stCondLst>
+                                  <p:childTnLst>
+                                    <p:set>
+                                      <p:cBhvr>
+                                        <p:cTn id="36" dur="1" fill="hold">
+                                          <p:stCondLst>
+                                            <p:cond delay="0"/>
+                                          </p:stCondLst>
+                                        </p:cTn>
+                                        <p:tgtEl>
+                                          <p:spTgt spid="12"/>
+                                        </p:tgtEl>
+                                        <p:attrNameLst>
+                                          <p:attrName>style.visibility</p:attrName>
+                                        </p:attrNameLst>
+                                      </p:cBhvr>
+                                      <p:to>
+                                        <p:strVal val="visible"/>
+                                      </p:to>
+                                    </p:set>
+                                    <p:animEffect transition="in" filter="fade">
+                                      <p:cBhvr>
+                                        <p:cTn id="37" dur="500"/>
+                                        <p:tgtEl>
+                                          <p:spTgt spid="12"/>
+                                        </p:tgtEl>
+                                      </p:cBhvr>
+                                    </p:animEffect>
+                                  </p:childTnLst>
+                                </p:cTn>
+                              </p:par>
+                              <p:par>
+                                <p:cTn id="38" presetID="10" presetClass="entr" presetSubtype="0" fill="hold" grpId="0" nodeType="withEffect">
+                                  <p:stCondLst>
+                                    <p:cond delay="0"/>
+                                  </p:stCondLst>
+                                  <p:childTnLst>
+                                    <p:set>
+                                      <p:cBhvr>
+                                        <p:cTn id="39" dur="1" fill="hold">
+                                          <p:stCondLst>
+                                            <p:cond delay="0"/>
+                                          </p:stCondLst>
+                                        </p:cTn>
+                                        <p:tgtEl>
+                                          <p:spTgt spid="13"/>
+                                        </p:tgtEl>
+                                        <p:attrNameLst>
+                                          <p:attrName>style.visibility</p:attrName>
+                                        </p:attrNameLst>
+                                      </p:cBhvr>
+                                      <p:to>
+                                        <p:strVal val="visible"/>
+                                      </p:to>
+                                    </p:set>
+                                    <p:animEffect transition="in" filter="fade">
+                                      <p:cBhvr>
+                                        <p:cTn id="40" dur="500"/>
+                                        <p:tgtEl>
+                                          <p:spTgt spid="13"/>
+                                        </p:tgtEl>
+                                      </p:cBhvr>
+                                    </p:animEffect>
+                                  </p:childTnLst>
+                                </p:cTn>
+                              </p:par>
+                              <p:par>
+                                <p:cTn id="41" presetID="10" presetClass="entr" presetSubtype="0" fill="hold" nodeType="withEffect">
+                                  <p:stCondLst>
+                                    <p:cond delay="0"/>
+                                  </p:stCondLst>
+                                  <p:childTnLst>
+                                    <p:set>
+                                      <p:cBhvr>
+                                        <p:cTn id="42" dur="1" fill="hold">
+                                          <p:stCondLst>
+                                            <p:cond delay="0"/>
+                                          </p:stCondLst>
+                                        </p:cTn>
+                                        <p:tgtEl>
+                                          <p:spTgt spid="11"/>
+                                        </p:tgtEl>
+                                        <p:attrNameLst>
+                                          <p:attrName>style.visibility</p:attrName>
+                                        </p:attrNameLst>
+                                      </p:cBhvr>
+                                      <p:to>
+                                        <p:strVal val="visible"/>
+                                      </p:to>
+                                    </p:set>
+                                    <p:animEffect transition="in" filter="fade">
+                                      <p:cBhvr>
+                                        <p:cTn id="43" dur="500"/>
+                                        <p:tgtEl>
+                                          <p:spTgt spid="11"/>
+                                        </p:tgtEl>
+                                      </p:cBhvr>
+                                    </p:animEffect>
+                                  </p:childTnLst>
+                                </p:cTn>
+                              </p:par>
+                            </p:childTnLst>
+                          </p:cTn>
+                        </p:par>
+                      </p:childTnLst>
+                    </p:cTn>
+                  </p:par>
+                  <p:par>
+                    <p:cTn id="44" fill="hold">
+                      <p:stCondLst>
+                        <p:cond delay="indefinite"/>
+                      </p:stCondLst>
+                      <p:childTnLst>
+                        <p:par>
+                          <p:cTn id="45" fill="hold">
+                            <p:stCondLst>
+                              <p:cond delay="0"/>
+                            </p:stCondLst>
+                            <p:childTnLst>
+                              <p:par>
+                                <p:cTn id="46" presetID="10" presetClass="exit" presetSubtype="0" fill="hold" grpId="1" nodeType="clickEffect">
+                                  <p:stCondLst>
+                                    <p:cond delay="0"/>
+                                  </p:stCondLst>
+                                  <p:childTnLst>
+                                    <p:animEffect transition="out" filter="fade">
+                                      <p:cBhvr>
+                                        <p:cTn id="47" dur="500"/>
+                                        <p:tgtEl>
+                                          <p:spTgt spid="12"/>
+                                        </p:tgtEl>
+                                      </p:cBhvr>
+                                    </p:animEffect>
+                                    <p:set>
+                                      <p:cBhvr>
+                                        <p:cTn id="48" dur="1" fill="hold">
+                                          <p:stCondLst>
+                                            <p:cond delay="499"/>
+                                          </p:stCondLst>
+                                        </p:cTn>
+                                        <p:tgtEl>
+                                          <p:spTgt spid="12"/>
+                                        </p:tgtEl>
+                                        <p:attrNameLst>
+                                          <p:attrName>style.visibility</p:attrName>
+                                        </p:attrNameLst>
+                                      </p:cBhvr>
+                                      <p:to>
+                                        <p:strVal val="hidden"/>
+                                      </p:to>
+                                    </p:set>
+                                  </p:childTnLst>
+                                </p:cTn>
+                              </p:par>
+                              <p:par>
+                                <p:cTn id="49" presetID="10" presetClass="exit" presetSubtype="0" fill="hold" grpId="1" nodeType="withEffect">
+                                  <p:stCondLst>
+                                    <p:cond delay="0"/>
+                                  </p:stCondLst>
+                                  <p:childTnLst>
+                                    <p:animEffect transition="out" filter="fade">
+                                      <p:cBhvr>
+                                        <p:cTn id="50" dur="500"/>
+                                        <p:tgtEl>
+                                          <p:spTgt spid="13"/>
+                                        </p:tgtEl>
+                                      </p:cBhvr>
+                                    </p:animEffect>
+                                    <p:set>
+                                      <p:cBhvr>
+                                        <p:cTn id="51" dur="1" fill="hold">
+                                          <p:stCondLst>
+                                            <p:cond delay="499"/>
+                                          </p:stCondLst>
+                                        </p:cTn>
+                                        <p:tgtEl>
+                                          <p:spTgt spid="13"/>
+                                        </p:tgtEl>
+                                        <p:attrNameLst>
+                                          <p:attrName>style.visibility</p:attrName>
+                                        </p:attrNameLst>
+                                      </p:cBhvr>
+                                      <p:to>
+                                        <p:strVal val="hidden"/>
+                                      </p:to>
+                                    </p:set>
+                                  </p:childTnLst>
+                                </p:cTn>
+                              </p:par>
+                              <p:par>
+                                <p:cTn id="52" presetID="10" presetClass="exit" presetSubtype="0" fill="hold" nodeType="withEffect">
+                                  <p:stCondLst>
+                                    <p:cond delay="0"/>
+                                  </p:stCondLst>
+                                  <p:childTnLst>
+                                    <p:animEffect transition="out" filter="fade">
+                                      <p:cBhvr>
+                                        <p:cTn id="53" dur="500"/>
+                                        <p:tgtEl>
+                                          <p:spTgt spid="11"/>
+                                        </p:tgtEl>
+                                      </p:cBhvr>
+                                    </p:animEffect>
+                                    <p:set>
+                                      <p:cBhvr>
+                                        <p:cTn id="54" dur="1" fill="hold">
+                                          <p:stCondLst>
+                                            <p:cond delay="499"/>
+                                          </p:stCondLst>
+                                        </p:cTn>
+                                        <p:tgtEl>
+                                          <p:spTgt spid="11"/>
+                                        </p:tgtEl>
+                                        <p:attrNameLst>
+                                          <p:attrName>style.visibility</p:attrName>
+                                        </p:attrNameLst>
+                                      </p:cBhvr>
+                                      <p:to>
+                                        <p:strVal val="hidden"/>
+                                      </p:to>
+                                    </p:set>
+                                  </p:childTnLst>
+                                </p:cTn>
+                              </p:par>
+                            </p:childTnLst>
+                          </p:cTn>
+                        </p:par>
+                        <p:par>
+                          <p:cTn id="55" fill="hold">
+                            <p:stCondLst>
+                              <p:cond delay="500"/>
+                            </p:stCondLst>
+                            <p:childTnLst>
+                              <p:par>
+                                <p:cTn id="56" presetID="10" presetClass="entr" presetSubtype="0" fill="hold" grpId="0" nodeType="afterEffect">
+                                  <p:stCondLst>
+                                    <p:cond delay="0"/>
+                                  </p:stCondLst>
+                                  <p:childTnLst>
+                                    <p:set>
+                                      <p:cBhvr>
+                                        <p:cTn id="57" dur="1" fill="hold">
+                                          <p:stCondLst>
+                                            <p:cond delay="0"/>
+                                          </p:stCondLst>
+                                        </p:cTn>
+                                        <p:tgtEl>
+                                          <p:spTgt spid="16"/>
+                                        </p:tgtEl>
+                                        <p:attrNameLst>
+                                          <p:attrName>style.visibility</p:attrName>
+                                        </p:attrNameLst>
+                                      </p:cBhvr>
+                                      <p:to>
+                                        <p:strVal val="visible"/>
+                                      </p:to>
+                                    </p:set>
+                                    <p:animEffect transition="in" filter="fade">
+                                      <p:cBhvr>
+                                        <p:cTn id="58" dur="500"/>
+                                        <p:tgtEl>
+                                          <p:spTgt spid="16"/>
+                                        </p:tgtEl>
+                                      </p:cBhvr>
+                                    </p:animEffect>
+                                  </p:childTnLst>
+                                </p:cTn>
+                              </p:par>
+                              <p:par>
+                                <p:cTn id="59" presetID="10" presetClass="entr" presetSubtype="0" fill="hold" grpId="0" nodeType="withEffect">
+                                  <p:stCondLst>
+                                    <p:cond delay="0"/>
+                                  </p:stCondLst>
+                                  <p:childTnLst>
+                                    <p:set>
+                                      <p:cBhvr>
+                                        <p:cTn id="60" dur="1" fill="hold">
+                                          <p:stCondLst>
+                                            <p:cond delay="0"/>
+                                          </p:stCondLst>
+                                        </p:cTn>
+                                        <p:tgtEl>
+                                          <p:spTgt spid="15"/>
+                                        </p:tgtEl>
+                                        <p:attrNameLst>
+                                          <p:attrName>style.visibility</p:attrName>
+                                        </p:attrNameLst>
+                                      </p:cBhvr>
+                                      <p:to>
+                                        <p:strVal val="visible"/>
+                                      </p:to>
+                                    </p:set>
+                                    <p:animEffect transition="in" filter="fade">
+                                      <p:cBhvr>
+                                        <p:cTn id="61" dur="500"/>
+                                        <p:tgtEl>
+                                          <p:spTgt spid="15"/>
+                                        </p:tgtEl>
+                                      </p:cBhvr>
+                                    </p:animEffect>
+                                  </p:childTnLst>
+                                </p:cTn>
+                              </p:par>
+                              <p:par>
+                                <p:cTn id="62" presetID="10" presetClass="entr" presetSubtype="0" fill="hold" nodeType="withEffect">
+                                  <p:stCondLst>
+                                    <p:cond delay="0"/>
+                                  </p:stCondLst>
+                                  <p:childTnLst>
+                                    <p:set>
+                                      <p:cBhvr>
+                                        <p:cTn id="63" dur="1" fill="hold">
+                                          <p:stCondLst>
+                                            <p:cond delay="0"/>
+                                          </p:stCondLst>
+                                        </p:cTn>
+                                        <p:tgtEl>
+                                          <p:spTgt spid="14"/>
+                                        </p:tgtEl>
+                                        <p:attrNameLst>
+                                          <p:attrName>style.visibility</p:attrName>
+                                        </p:attrNameLst>
+                                      </p:cBhvr>
+                                      <p:to>
+                                        <p:strVal val="visible"/>
+                                      </p:to>
+                                    </p:set>
+                                    <p:animEffect transition="in" filter="fade">
+                                      <p:cBhvr>
+                                        <p:cTn id="64" dur="500"/>
+                                        <p:tgtEl>
+                                          <p:spTgt spid="14"/>
+                                        </p:tgtEl>
+                                      </p:cBhvr>
+                                    </p:animEffect>
+                                  </p:childTnLst>
+                                </p:cTn>
+                              </p:par>
+                            </p:childTnLst>
+                          </p:cTn>
+                        </p:par>
+                      </p:childTnLst>
+                    </p:cTn>
+                  </p:par>
+                </p:childTnLst>
+              </p:cTn>
+              <p:prevCondLst>
+                <p:cond evt="onPrev" delay="0">
+                  <p:tgtEl>
+                    <p:sldTgt/>
+                  </p:tgtEl>
+                </p:cond>
+              </p:prevCondLst>
+              <p:nextCondLst>
+                <p:cond evt="onNext" delay="0">
+                  <p:tgtEl>
+                    <p:sldTgt/>
+                  </p:tgtEl>
+                </p:cond>
+              </p:nextCondLst>
+            </p:seq>
+          </p:childTnLst>
+        </p:cTn>
+      </p:par>
+    </p:tnLst>
+    <p:bldLst>
+      <p:bldP spid="7" grpId="0"/>
+      <p:bldP spid="7" grpId="1"/>
+      <p:bldP spid="9" grpId="0" animBg="1"/>
+      <p:bldP spid="9" grpId="1" animBg="1"/>
+      <p:bldP spid="12" grpId="0" animBg="1"/>
+      <p:bldP spid="12" grpId="1" animBg="1"/>
+      <p:bldP spid="13" grpId="0" animBg="1"/>
+      <p:bldP spid="13" grpId="1" animBg="1"/>
+      <p:bldP spid="15" grpId="0" animBg="1"/>
+      <p:bldP spid="16" grpId="0" animBg="1"/>
+    </p:bldLst>
+  </p:timing>
+</p:sld>
+</file>
+
+<file path=ppt/slides/slide9.xml><?xml version="1.0" encoding="utf-8"?>
+<p:sld xmlns:a="http://schemas.openxmlformats.org/drawingml/2006/main" xmlns:r="http://schemas.openxmlformats.org/officeDocument/2006/relationships" xmlns:p="http://schemas.openxmlformats.org/presentationml/2006/main">
+  <p:cSld>
+    <p:spTree>
+      <p:nvGrpSpPr>
+        <p:cNvPr id="1" name=""/>
+        <p:cNvGrpSpPr/>
+        <p:nvPr/>
+      </p:nvGrpSpPr>
+      <p:grpSpPr>
+        <a:xfrm>
+          <a:off x="0" y="0"/>
+          <a:ext cx="0" cy="0"/>
+          <a:chOff x="0" y="0"/>
+          <a:chExt cx="0" cy="0"/>
+        </a:xfrm>
+      </p:grpSpPr>
+      <p:sp>
+        <p:nvSpPr>
+          <p:cNvPr id="2" name="Text Placeholder 1">
+            <a:extLst>
+              <a:ext uri="{FF2B5EF4-FFF2-40B4-BE49-F238E27FC236}">
+                <a16:creationId xmlns:a16="http://schemas.microsoft.com/office/drawing/2014/main" id="{70BA3967-673A-4F45-B3A8-D6C82F65BFC6}"/>
+              </a:ext>
+            </a:extLst>
+          </p:cNvPr>
+          <p:cNvSpPr>
+            <a:spLocks noGrp="1"/>
+          </p:cNvSpPr>
+          <p:nvPr>
+            <p:ph type="body" sz="quarter" idx="10"/>
+          </p:nvPr>
+        </p:nvSpPr>
+        <p:spPr/>
+        <p:txBody>
+          <a:bodyPr/>
+          <a:lstStyle/>
+          <a:p>
+            <a:r>
+              <a:rPr lang="en-US" dirty="0"/>
               <a:t>Remoting &amp; </a:t>
             </a:r>
             <a:r>
@@ -6848,6 +8167,36 @@
           </a:prstGeom>
         </p:spPr>
       </p:pic>
+      <p:pic>
+        <p:nvPicPr>
+          <p:cNvPr id="7" name="Picture 6">
+            <a:extLst>
+              <a:ext uri="{FF2B5EF4-FFF2-40B4-BE49-F238E27FC236}">
+                <a16:creationId xmlns:a16="http://schemas.microsoft.com/office/drawing/2014/main" id="{A84BB266-6B6E-4E61-890D-185487F83F82}"/>
+              </a:ext>
+            </a:extLst>
+          </p:cNvPr>
+          <p:cNvPicPr>
+            <a:picLocks noChangeAspect="1"/>
+          </p:cNvPicPr>
+          <p:nvPr/>
+        </p:nvPicPr>
+        <p:blipFill>
+          <a:blip r:embed="rId5"/>
+          <a:stretch>
+            <a:fillRect/>
+          </a:stretch>
+        </p:blipFill>
+        <p:spPr>
+          <a:xfrm>
+            <a:off x="1371599" y="2489356"/>
+            <a:ext cx="6534727" cy="819571"/>
+          </a:xfrm>
+          <a:prstGeom prst="rect">
+            <a:avLst/>
+          </a:prstGeom>
+        </p:spPr>
+      </p:pic>
     </p:spTree>
     <p:extLst>
       <p:ext uri="{BB962C8B-B14F-4D97-AF65-F5344CB8AC3E}">
@@ -7022,6 +8371,41 @@
                                   </p:childTnLst>
                                 </p:cTn>
                               </p:par>
+                              <p:par>
+                                <p:cTn id="18" presetID="10" presetClass="entr" presetSubtype="0" fill="hold" nodeType="withEffect">
+                                  <p:stCondLst>
+                                    <p:cond delay="0"/>
+                                  </p:stCondLst>
+                                  <p:childTnLst>
+                                    <p:set>
+                                      <p:cBhvr>
+                                        <p:cTn id="19" dur="1" fill="hold">
+                                          <p:stCondLst>
+                                            <p:cond delay="0"/>
+                                          </p:stCondLst>
+                                        </p:cTn>
+                                        <p:tgtEl>
+                                          <p:spTgt spid="7"/>
+                                        </p:tgtEl>
+                                        <p:attrNameLst>
+                                          <p:attrName>style.visibility</p:attrName>
+                                        </p:attrNameLst>
+                                      </p:cBhvr>
+                                      <p:to>
+                                        <p:strVal val="visible"/>
+                                      </p:to>
+                                    </p:set>
+                                    <p:animEffect transition="in" filter="fade">
+                                      <p:cBhvr>
+                                        <p:cTn id="20" dur="500"/>
+                                        <p:tgtEl>
+                                          <p:spTgt spid="7"/>
+                                        </p:tgtEl>
+                                      </p:cBhvr>
+                                    </p:animEffect>
+                                  </p:childTnLst>
+                                </p:cTn>
+                              </p:par>
                             </p:childTnLst>
                           </p:cTn>
                         </p:par>
@@ -7029,26 +8413,26 @@
                     </p:cTn>
                   </p:par>
                   <p:par>
-                    <p:cTn id="18" fill="hold">
+                    <p:cTn id="21" fill="hold">
                       <p:stCondLst>
                         <p:cond delay="indefinite"/>
                       </p:stCondLst>
                       <p:childTnLst>
                         <p:par>
-                          <p:cTn id="19" fill="hold">
+                          <p:cTn id="22" fill="hold">
                             <p:stCondLst>
                               <p:cond delay="0"/>
                             </p:stCondLst>
                             <p:childTnLst>
                               <p:par>
-                                <p:cTn id="20" presetID="10" presetClass="entr" presetSubtype="0" fill="hold" nodeType="clickEffect">
+                                <p:cTn id="23" presetID="10" presetClass="entr" presetSubtype="0" fill="hold" nodeType="clickEffect">
                                   <p:stCondLst>
                                     <p:cond delay="0"/>
                                   </p:stCondLst>
                                   <p:childTnLst>
                                     <p:set>
                                       <p:cBhvr>
-                                        <p:cTn id="21" dur="1" fill="hold">
+                                        <p:cTn id="24" dur="1" fill="hold">
                                           <p:stCondLst>
                                             <p:cond delay="0"/>
                                           </p:stCondLst>
@@ -7066,7 +8450,7 @@
                                     </p:set>
                                     <p:animEffect transition="in" filter="fade">
                                       <p:cBhvr>
-                                        <p:cTn id="22" dur="500"/>
+                                        <p:cTn id="25" dur="500"/>
                                         <p:tgtEl>
                                           <p:spTgt spid="6"/>
                                         </p:tgtEl>
@@ -7103,66 +8487,6 @@
       </p:par>
     </p:tnLst>
   </p:timing>
-</p:sld>
-</file>
-
-<file path=ppt/slides/slide9.xml><?xml version="1.0" encoding="utf-8"?>
-<p:sld xmlns:a="http://schemas.openxmlformats.org/drawingml/2006/main" xmlns:r="http://schemas.openxmlformats.org/officeDocument/2006/relationships" xmlns:p="http://schemas.openxmlformats.org/presentationml/2006/main">
-  <p:cSld>
-    <p:spTree>
-      <p:nvGrpSpPr>
-        <p:cNvPr id="1" name=""/>
-        <p:cNvGrpSpPr/>
-        <p:nvPr/>
-      </p:nvGrpSpPr>
-      <p:grpSpPr>
-        <a:xfrm>
-          <a:off x="0" y="0"/>
-          <a:ext cx="0" cy="0"/>
-          <a:chOff x="0" y="0"/>
-          <a:chExt cx="0" cy="0"/>
-        </a:xfrm>
-      </p:grpSpPr>
-      <p:sp>
-        <p:nvSpPr>
-          <p:cNvPr id="2" name="Text Placeholder 1"/>
-          <p:cNvSpPr>
-            <a:spLocks noGrp="1"/>
-          </p:cNvSpPr>
-          <p:nvPr>
-            <p:ph type="body" sz="quarter" idx="10"/>
-          </p:nvPr>
-        </p:nvSpPr>
-        <p:spPr/>
-        <p:txBody>
-          <a:bodyPr/>
-          <a:lstStyle/>
-          <a:p>
-            <a:r>
-              <a:rPr lang="en-US" dirty="0"/>
-              <a:t>Zendi Iklima ST, </a:t>
-            </a:r>
-            <a:r>
-              <a:rPr lang="en-US" dirty="0" err="1"/>
-              <a:t>SKom</a:t>
-            </a:r>
-            <a:r>
-              <a:rPr lang="en-US" dirty="0"/>
-              <a:t>, MSc</a:t>
-            </a:r>
-          </a:p>
-        </p:txBody>
-      </p:sp>
-    </p:spTree>
-    <p:extLst>
-      <p:ext uri="{BB962C8B-B14F-4D97-AF65-F5344CB8AC3E}">
-        <p14:creationId xmlns:p14="http://schemas.microsoft.com/office/powerpoint/2010/main" val="2729047529"/>
-      </p:ext>
-    </p:extLst>
-  </p:cSld>
-  <p:clrMapOvr>
-    <a:masterClrMapping/>
-  </p:clrMapOvr>
 </p:sld>
 </file>
 
